--- a/산출물/설계/AND-001.화면설계서/20200806_IMS_AND-07_화면설계서_개발자 등록_v0.1.pptx
+++ b/산출물/설계/AND-001.화면설계서/20200806_IMS_AND-07_화면설계서_개발자 등록_v0.1.pptx
@@ -247,7 +247,7 @@
           <a:p>
             <a:fld id="{E9CEF2E8-F87B-4C3F-AA45-AC034F7E5140}" type="datetimeFigureOut">
               <a:rPr lang="ko-KR" altLang="en-US" smtClean="0"/>
-              <a:t>2020-08-06</a:t>
+              <a:t>2020-08-11</a:t>
             </a:fld>
             <a:endParaRPr lang="ko-KR" altLang="en-US"/>
           </a:p>
@@ -417,7 +417,7 @@
           <a:p>
             <a:fld id="{E9CEF2E8-F87B-4C3F-AA45-AC034F7E5140}" type="datetimeFigureOut">
               <a:rPr lang="ko-KR" altLang="en-US" smtClean="0"/>
-              <a:t>2020-08-06</a:t>
+              <a:t>2020-08-11</a:t>
             </a:fld>
             <a:endParaRPr lang="ko-KR" altLang="en-US"/>
           </a:p>
@@ -597,7 +597,7 @@
           <a:p>
             <a:fld id="{E9CEF2E8-F87B-4C3F-AA45-AC034F7E5140}" type="datetimeFigureOut">
               <a:rPr lang="ko-KR" altLang="en-US" smtClean="0"/>
-              <a:t>2020-08-06</a:t>
+              <a:t>2020-08-11</a:t>
             </a:fld>
             <a:endParaRPr lang="ko-KR" altLang="en-US"/>
           </a:p>
@@ -767,7 +767,7 @@
           <a:p>
             <a:fld id="{E9CEF2E8-F87B-4C3F-AA45-AC034F7E5140}" type="datetimeFigureOut">
               <a:rPr lang="ko-KR" altLang="en-US" smtClean="0"/>
-              <a:t>2020-08-06</a:t>
+              <a:t>2020-08-11</a:t>
             </a:fld>
             <a:endParaRPr lang="ko-KR" altLang="en-US"/>
           </a:p>
@@ -1013,7 +1013,7 @@
           <a:p>
             <a:fld id="{E9CEF2E8-F87B-4C3F-AA45-AC034F7E5140}" type="datetimeFigureOut">
               <a:rPr lang="ko-KR" altLang="en-US" smtClean="0"/>
-              <a:t>2020-08-06</a:t>
+              <a:t>2020-08-11</a:t>
             </a:fld>
             <a:endParaRPr lang="ko-KR" altLang="en-US"/>
           </a:p>
@@ -1245,7 +1245,7 @@
           <a:p>
             <a:fld id="{E9CEF2E8-F87B-4C3F-AA45-AC034F7E5140}" type="datetimeFigureOut">
               <a:rPr lang="ko-KR" altLang="en-US" smtClean="0"/>
-              <a:t>2020-08-06</a:t>
+              <a:t>2020-08-11</a:t>
             </a:fld>
             <a:endParaRPr lang="ko-KR" altLang="en-US"/>
           </a:p>
@@ -1612,7 +1612,7 @@
           <a:p>
             <a:fld id="{E9CEF2E8-F87B-4C3F-AA45-AC034F7E5140}" type="datetimeFigureOut">
               <a:rPr lang="ko-KR" altLang="en-US" smtClean="0"/>
-              <a:t>2020-08-06</a:t>
+              <a:t>2020-08-11</a:t>
             </a:fld>
             <a:endParaRPr lang="ko-KR" altLang="en-US"/>
           </a:p>
@@ -1730,7 +1730,7 @@
           <a:p>
             <a:fld id="{E9CEF2E8-F87B-4C3F-AA45-AC034F7E5140}" type="datetimeFigureOut">
               <a:rPr lang="ko-KR" altLang="en-US" smtClean="0"/>
-              <a:t>2020-08-06</a:t>
+              <a:t>2020-08-11</a:t>
             </a:fld>
             <a:endParaRPr lang="ko-KR" altLang="en-US"/>
           </a:p>
@@ -1825,7 +1825,7 @@
           <a:p>
             <a:fld id="{E9CEF2E8-F87B-4C3F-AA45-AC034F7E5140}" type="datetimeFigureOut">
               <a:rPr lang="ko-KR" altLang="en-US" smtClean="0"/>
-              <a:t>2020-08-06</a:t>
+              <a:t>2020-08-11</a:t>
             </a:fld>
             <a:endParaRPr lang="ko-KR" altLang="en-US"/>
           </a:p>
@@ -2102,7 +2102,7 @@
           <a:p>
             <a:fld id="{E9CEF2E8-F87B-4C3F-AA45-AC034F7E5140}" type="datetimeFigureOut">
               <a:rPr lang="ko-KR" altLang="en-US" smtClean="0"/>
-              <a:t>2020-08-06</a:t>
+              <a:t>2020-08-11</a:t>
             </a:fld>
             <a:endParaRPr lang="ko-KR" altLang="en-US"/>
           </a:p>
@@ -2355,7 +2355,7 @@
           <a:p>
             <a:fld id="{E9CEF2E8-F87B-4C3F-AA45-AC034F7E5140}" type="datetimeFigureOut">
               <a:rPr lang="ko-KR" altLang="en-US" smtClean="0"/>
-              <a:t>2020-08-06</a:t>
+              <a:t>2020-08-11</a:t>
             </a:fld>
             <a:endParaRPr lang="ko-KR" altLang="en-US"/>
           </a:p>
@@ -2568,7 +2568,7 @@
           <a:p>
             <a:fld id="{E9CEF2E8-F87B-4C3F-AA45-AC034F7E5140}" type="datetimeFigureOut">
               <a:rPr lang="ko-KR" altLang="en-US" smtClean="0"/>
-              <a:t>2020-08-06</a:t>
+              <a:t>2020-08-11</a:t>
             </a:fld>
             <a:endParaRPr lang="ko-KR" altLang="en-US"/>
           </a:p>
@@ -6665,36 +6665,26 @@
       </p:grpSpPr>
       <p:pic>
         <p:nvPicPr>
-          <p:cNvPr id="8" name="내용 개체 틀 3"/>
+          <p:cNvPr id="3" name="그림 2"/>
           <p:cNvPicPr>
-            <a:picLocks noGrp="1" noChangeAspect="1"/>
+            <a:picLocks noChangeAspect="1"/>
           </p:cNvPicPr>
-          <p:nvPr>
-            <p:ph idx="1"/>
-          </p:nvPr>
+          <p:nvPr/>
         </p:nvPicPr>
         <p:blipFill>
-          <a:blip r:embed="rId2">
-            <a:extLst>
-              <a:ext uri="{28A0092B-C50C-407E-A947-70E740481C1C}">
-                <a14:useLocalDpi xmlns:a14="http://schemas.microsoft.com/office/drawing/2010/main" val="0"/>
-              </a:ext>
-            </a:extLst>
-          </a:blip>
+          <a:blip r:embed="rId2"/>
           <a:stretch>
             <a:fillRect/>
           </a:stretch>
         </p:blipFill>
         <p:spPr>
           <a:xfrm>
-            <a:off x="3668544" y="1135800"/>
-            <a:ext cx="5145027" cy="5106050"/>
+            <a:off x="3627498" y="1101725"/>
+            <a:ext cx="5029200" cy="4981575"/>
           </a:xfrm>
-          <a:ln>
-            <a:solidFill>
-              <a:schemeClr val="tx1"/>
-            </a:solidFill>
-          </a:ln>
+          <a:prstGeom prst="rect">
+            <a:avLst/>
+          </a:prstGeom>
         </p:spPr>
       </p:pic>
       <p:sp>
@@ -6860,7 +6850,7 @@
         </p:nvSpPr>
         <p:spPr>
           <a:xfrm>
-            <a:off x="7087255" y="5511800"/>
+            <a:off x="6849894" y="5501320"/>
             <a:ext cx="282804" cy="282805"/>
           </a:xfrm>
           <a:prstGeom prst="ellipse">
@@ -6904,7 +6894,7 @@
         </p:nvSpPr>
         <p:spPr>
           <a:xfrm>
-            <a:off x="5325894" y="5511800"/>
+            <a:off x="5259219" y="5511800"/>
             <a:ext cx="282804" cy="282805"/>
           </a:xfrm>
           <a:prstGeom prst="ellipse">
@@ -8045,18 +8035,7 @@
                           <a:latin typeface="맑은 고딕" panose="020B0503020000020004" pitchFamily="50" charset="-127"/>
                           <a:ea typeface="맑은 고딕" panose="020B0503020000020004" pitchFamily="50" charset="-127"/>
                         </a:rPr>
-                        <a:t>작성한 내용을 </a:t>
-                      </a:r>
-                      <a:r>
-                        <a:rPr lang="ko-KR" altLang="en-US" sz="1100" b="0" i="0" u="none" strike="noStrike" baseline="0" dirty="0" smtClean="0">
-                          <a:solidFill>
-                            <a:srgbClr val="000000"/>
-                          </a:solidFill>
-                          <a:effectLst/>
-                          <a:latin typeface="맑은 고딕" panose="020B0503020000020004" pitchFamily="50" charset="-127"/>
-                          <a:ea typeface="맑은 고딕" panose="020B0503020000020004" pitchFamily="50" charset="-127"/>
-                        </a:rPr>
-                        <a:t>저장한다</a:t>
+                        <a:t>작성한 내용을 저장한다</a:t>
                       </a:r>
                       <a:r>
                         <a:rPr lang="en-US" altLang="ko-KR" sz="1100" b="0" i="0" u="none" strike="noStrike" baseline="0" dirty="0" smtClean="0">
@@ -9181,14 +9160,14 @@
           <p:nvPr>
             <p:extLst>
               <p:ext uri="{D42A27DB-BD31-4B8C-83A1-F6EECF244321}">
-                <p14:modId xmlns:p14="http://schemas.microsoft.com/office/powerpoint/2010/main" val="1177759722"/>
+                <p14:modId xmlns:p14="http://schemas.microsoft.com/office/powerpoint/2010/main" val="3360584517"/>
               </p:ext>
             </p:extLst>
           </p:nvPr>
         </p:nvGraphicFramePr>
         <p:xfrm>
           <a:off x="456220" y="1303263"/>
-          <a:ext cx="10403457" cy="2059075"/>
+          <a:ext cx="10403457" cy="2311831"/>
         </p:xfrm>
         <a:graphic>
           <a:graphicData uri="http://schemas.openxmlformats.org/drawingml/2006/table">
@@ -9748,7 +9727,7 @@
                 </a:tc>
               </a:tr>
               <a:tr h="252756">
-                <a:tc rowSpan="6">
+                <a:tc rowSpan="7">
                   <a:txBody>
                     <a:bodyPr/>
                     <a:lstStyle/>
@@ -9774,63 +9753,7 @@
                           <a:latin typeface="맑은 고딕" panose="020B0503020000020004" pitchFamily="50" charset="-127"/>
                           <a:ea typeface="맑은 고딕" panose="020B0503020000020004" pitchFamily="50" charset="-127"/>
                         </a:rPr>
-                        <a:t>　</a:t>
-                      </a:r>
-                    </a:p>
-                    <a:p>
-                      <a:pPr algn="ctr" fontAlgn="ctr"/>
-                      <a:r>
-                        <a:rPr lang="ko-KR" altLang="en-US" sz="900" b="1" i="0" u="none" strike="noStrike" dirty="0">
-                          <a:solidFill>
-                            <a:srgbClr val="000000"/>
-                          </a:solidFill>
-                          <a:effectLst/>
-                          <a:latin typeface="맑은 고딕" panose="020B0503020000020004" pitchFamily="50" charset="-127"/>
-                          <a:ea typeface="맑은 고딕" panose="020B0503020000020004" pitchFamily="50" charset="-127"/>
-                        </a:rPr>
-                        <a:t>　</a:t>
-                      </a:r>
-                    </a:p>
-                    <a:p>
-                      <a:pPr algn="ctr" fontAlgn="ctr"/>
-                      <a:r>
-                        <a:rPr lang="ko-KR" altLang="en-US" sz="900" b="1" i="0" u="none" strike="noStrike" dirty="0">
-                          <a:solidFill>
-                            <a:srgbClr val="000000"/>
-                          </a:solidFill>
-                          <a:effectLst/>
-                          <a:latin typeface="맑은 고딕" panose="020B0503020000020004" pitchFamily="50" charset="-127"/>
-                          <a:ea typeface="맑은 고딕" panose="020B0503020000020004" pitchFamily="50" charset="-127"/>
-                        </a:rPr>
-                        <a:t>　</a:t>
-                      </a:r>
-                    </a:p>
-                    <a:p>
-                      <a:pPr algn="ctr" fontAlgn="ctr"/>
-                      <a:r>
-                        <a:rPr lang="ko-KR" altLang="en-US" sz="900" b="1" i="0" u="none" strike="noStrike" dirty="0">
-                          <a:solidFill>
-                            <a:srgbClr val="000000"/>
-                          </a:solidFill>
-                          <a:effectLst/>
-                          <a:latin typeface="맑은 고딕" panose="020B0503020000020004" pitchFamily="50" charset="-127"/>
-                          <a:ea typeface="맑은 고딕" panose="020B0503020000020004" pitchFamily="50" charset="-127"/>
-                        </a:rPr>
-                        <a:t>　</a:t>
-                      </a:r>
-                    </a:p>
-                    <a:p>
-                      <a:pPr algn="ctr" fontAlgn="ctr"/>
-                      <a:r>
-                        <a:rPr lang="ko-KR" altLang="en-US" sz="900" b="1" i="0" u="none" strike="noStrike" dirty="0">
-                          <a:solidFill>
-                            <a:srgbClr val="000000"/>
-                          </a:solidFill>
-                          <a:effectLst/>
-                          <a:latin typeface="맑은 고딕" panose="020B0503020000020004" pitchFamily="50" charset="-127"/>
-                          <a:ea typeface="맑은 고딕" panose="020B0503020000020004" pitchFamily="50" charset="-127"/>
-                        </a:rPr>
-                        <a:t>　</a:t>
+                        <a:t>　　</a:t>
                       </a:r>
                     </a:p>
                   </a:txBody>
@@ -10921,6 +10844,17 @@
                     <a:lstStyle/>
                     <a:p>
                       <a:pPr algn="l" fontAlgn="ctr"/>
+                      <a:r>
+                        <a:rPr lang="en-US" altLang="ko-KR" sz="1100" b="0" i="0" u="none" strike="noStrike" dirty="0" smtClean="0">
+                          <a:solidFill>
+                            <a:srgbClr val="000000"/>
+                          </a:solidFill>
+                          <a:effectLst/>
+                          <a:latin typeface="맑은 고딕" panose="020B0503020000020004" pitchFamily="50" charset="-127"/>
+                          <a:ea typeface="맑은 고딕" panose="020B0503020000020004" pitchFamily="50" charset="-127"/>
+                        </a:rPr>
+                        <a:t>000-0000-0000</a:t>
+                      </a:r>
                       <a:endParaRPr lang="ko-KR" altLang="en-US" sz="1100" b="0" i="0" u="none" strike="noStrike" dirty="0">
                         <a:solidFill>
                           <a:srgbClr val="000000"/>
@@ -11028,6 +10962,215 @@
                     <a:solidFill>
                       <a:srgbClr val="D0CECE"/>
                     </a:solidFill>
+                  </a:tcPr>
+                </a:tc>
+                <a:tc>
+                  <a:txBody>
+                    <a:bodyPr/>
+                    <a:lstStyle/>
+                    <a:p>
+                      <a:pPr algn="l" fontAlgn="ctr"/>
+                      <a:r>
+                        <a:rPr lang="ko-KR" altLang="en-US" sz="1100" b="0" i="0" u="none" strike="noStrike" dirty="0">
+                          <a:solidFill>
+                            <a:srgbClr val="000000"/>
+                          </a:solidFill>
+                          <a:effectLst/>
+                          <a:latin typeface="맑은 고딕" panose="020B0503020000020004" pitchFamily="50" charset="-127"/>
+                          <a:ea typeface="맑은 고딕" panose="020B0503020000020004" pitchFamily="50" charset="-127"/>
+                        </a:rPr>
+                        <a:t>　</a:t>
+                      </a:r>
+                      <a:r>
+                        <a:rPr lang="ko-KR" altLang="en-US" sz="1100" b="0" i="0" u="none" strike="noStrike" dirty="0" smtClean="0">
+                          <a:solidFill>
+                            <a:srgbClr val="000000"/>
+                          </a:solidFill>
+                          <a:effectLst/>
+                          <a:latin typeface="맑은 고딕" panose="020B0503020000020004" pitchFamily="50" charset="-127"/>
+                          <a:ea typeface="맑은 고딕" panose="020B0503020000020004" pitchFamily="50" charset="-127"/>
+                        </a:rPr>
+                        <a:t>구분</a:t>
+                      </a:r>
+                      <a:endParaRPr lang="ko-KR" altLang="en-US" sz="1100" b="0" i="0" u="none" strike="noStrike" dirty="0">
+                        <a:solidFill>
+                          <a:srgbClr val="000000"/>
+                        </a:solidFill>
+                        <a:effectLst/>
+                        <a:latin typeface="맑은 고딕" panose="020B0503020000020004" pitchFamily="50" charset="-127"/>
+                        <a:ea typeface="맑은 고딕" panose="020B0503020000020004" pitchFamily="50" charset="-127"/>
+                      </a:endParaRPr>
+                    </a:p>
+                  </a:txBody>
+                  <a:tcPr marL="9525" marR="9525" marT="9525" marB="0" anchor="ctr">
+                    <a:lnL w="6350" cap="flat" cmpd="sng" algn="ctr">
+                      <a:solidFill>
+                        <a:srgbClr val="000000"/>
+                      </a:solidFill>
+                      <a:prstDash val="solid"/>
+                      <a:round/>
+                      <a:headEnd type="none" w="med" len="med"/>
+                      <a:tailEnd type="none" w="med" len="med"/>
+                    </a:lnL>
+                    <a:lnR w="6350" cap="flat" cmpd="sng" algn="ctr">
+                      <a:solidFill>
+                        <a:srgbClr val="000000"/>
+                      </a:solidFill>
+                      <a:prstDash val="solid"/>
+                      <a:round/>
+                      <a:headEnd type="none" w="med" len="med"/>
+                      <a:tailEnd type="none" w="med" len="med"/>
+                    </a:lnR>
+                    <a:lnT w="6350" cap="flat" cmpd="sng" algn="ctr">
+                      <a:solidFill>
+                        <a:srgbClr val="000000"/>
+                      </a:solidFill>
+                      <a:prstDash val="solid"/>
+                      <a:round/>
+                      <a:headEnd type="none" w="med" len="med"/>
+                      <a:tailEnd type="none" w="med" len="med"/>
+                    </a:lnT>
+                    <a:lnB w="6350" cap="flat" cmpd="sng" algn="ctr">
+                      <a:solidFill>
+                        <a:srgbClr val="000000"/>
+                      </a:solidFill>
+                      <a:prstDash val="solid"/>
+                      <a:round/>
+                      <a:headEnd type="none" w="med" len="med"/>
+                      <a:tailEnd type="none" w="med" len="med"/>
+                    </a:lnB>
+                  </a:tcPr>
+                </a:tc>
+                <a:tc>
+                  <a:txBody>
+                    <a:bodyPr/>
+                    <a:lstStyle/>
+                    <a:p>
+                      <a:pPr algn="l" fontAlgn="ctr"/>
+                      <a:r>
+                        <a:rPr lang="en-US" altLang="ko-KR" sz="1100" b="0" i="0" u="none" strike="noStrike" dirty="0" smtClean="0">
+                          <a:solidFill>
+                            <a:srgbClr val="000000"/>
+                          </a:solidFill>
+                          <a:effectLst/>
+                          <a:latin typeface="맑은 고딕" panose="020B0503020000020004" pitchFamily="50" charset="-127"/>
+                          <a:ea typeface="맑은 고딕" panose="020B0503020000020004" pitchFamily="50" charset="-127"/>
+                        </a:rPr>
+                        <a:t> </a:t>
+                      </a:r>
+                      <a:r>
+                        <a:rPr lang="en-US" altLang="ko-KR" sz="1100" b="0" i="0" u="none" strike="noStrike" dirty="0" smtClean="0">
+                          <a:solidFill>
+                            <a:srgbClr val="000000"/>
+                          </a:solidFill>
+                          <a:effectLst/>
+                          <a:latin typeface="맑은 고딕" panose="020B0503020000020004" pitchFamily="50" charset="-127"/>
+                          <a:ea typeface="맑은 고딕" panose="020B0503020000020004" pitchFamily="50" charset="-127"/>
+                        </a:rPr>
+                        <a:t>S</a:t>
+                      </a:r>
+                      <a:endParaRPr lang="ko-KR" altLang="en-US" sz="1100" b="0" i="0" u="none" strike="noStrike" dirty="0">
+                        <a:solidFill>
+                          <a:srgbClr val="000000"/>
+                        </a:solidFill>
+                        <a:effectLst/>
+                        <a:latin typeface="맑은 고딕" panose="020B0503020000020004" pitchFamily="50" charset="-127"/>
+                        <a:ea typeface="맑은 고딕" panose="020B0503020000020004" pitchFamily="50" charset="-127"/>
+                      </a:endParaRPr>
+                    </a:p>
+                  </a:txBody>
+                  <a:tcPr marL="9525" marR="9525" marT="9525" marB="0" anchor="ctr">
+                    <a:lnL w="6350" cap="flat" cmpd="sng" algn="ctr">
+                      <a:solidFill>
+                        <a:srgbClr val="000000"/>
+                      </a:solidFill>
+                      <a:prstDash val="solid"/>
+                      <a:round/>
+                      <a:headEnd type="none" w="med" len="med"/>
+                      <a:tailEnd type="none" w="med" len="med"/>
+                    </a:lnL>
+                    <a:lnR w="6350" cap="flat" cmpd="sng" algn="ctr">
+                      <a:solidFill>
+                        <a:srgbClr val="000000"/>
+                      </a:solidFill>
+                      <a:prstDash val="solid"/>
+                      <a:round/>
+                      <a:headEnd type="none" w="med" len="med"/>
+                      <a:tailEnd type="none" w="med" len="med"/>
+                    </a:lnR>
+                    <a:lnT w="6350" cap="flat" cmpd="sng" algn="ctr">
+                      <a:solidFill>
+                        <a:srgbClr val="000000"/>
+                      </a:solidFill>
+                      <a:prstDash val="solid"/>
+                      <a:round/>
+                      <a:headEnd type="none" w="med" len="med"/>
+                      <a:tailEnd type="none" w="med" len="med"/>
+                    </a:lnT>
+                    <a:lnB w="6350" cap="flat" cmpd="sng" algn="ctr">
+                      <a:solidFill>
+                        <a:srgbClr val="000000"/>
+                      </a:solidFill>
+                      <a:prstDash val="solid"/>
+                      <a:round/>
+                      <a:headEnd type="none" w="med" len="med"/>
+                      <a:tailEnd type="none" w="med" len="med"/>
+                    </a:lnB>
+                  </a:tcPr>
+                </a:tc>
+                <a:tc>
+                  <a:txBody>
+                    <a:bodyPr/>
+                    <a:lstStyle/>
+                    <a:p>
+                      <a:pPr algn="l" fontAlgn="ctr"/>
+                      <a:endParaRPr lang="ko-KR" altLang="en-US" sz="1100" b="0" i="0" u="none" strike="noStrike" dirty="0">
+                        <a:solidFill>
+                          <a:srgbClr val="000000"/>
+                        </a:solidFill>
+                        <a:effectLst/>
+                        <a:latin typeface="맑은 고딕" panose="020B0503020000020004" pitchFamily="50" charset="-127"/>
+                        <a:ea typeface="맑은 고딕" panose="020B0503020000020004" pitchFamily="50" charset="-127"/>
+                      </a:endParaRPr>
+                    </a:p>
+                  </a:txBody>
+                  <a:tcPr marL="9525" marR="9525" marT="9525" marB="0" anchor="ctr">
+                    <a:lnL w="6350" cap="flat" cmpd="sng" algn="ctr">
+                      <a:solidFill>
+                        <a:srgbClr val="000000"/>
+                      </a:solidFill>
+                      <a:prstDash val="solid"/>
+                      <a:round/>
+                      <a:headEnd type="none" w="med" len="med"/>
+                      <a:tailEnd type="none" w="med" len="med"/>
+                    </a:lnL>
+                    <a:lnR w="6350" cap="flat" cmpd="sng" algn="ctr">
+                      <a:solidFill>
+                        <a:srgbClr val="000000"/>
+                      </a:solidFill>
+                      <a:prstDash val="solid"/>
+                      <a:round/>
+                      <a:headEnd type="none" w="med" len="med"/>
+                      <a:tailEnd type="none" w="med" len="med"/>
+                    </a:lnR>
+                    <a:lnT w="6350" cap="flat" cmpd="sng" algn="ctr">
+                      <a:solidFill>
+                        <a:srgbClr val="000000"/>
+                      </a:solidFill>
+                      <a:prstDash val="solid"/>
+                      <a:round/>
+                      <a:headEnd type="none" w="med" len="med"/>
+                      <a:tailEnd type="none" w="med" len="med"/>
+                    </a:lnT>
+                    <a:lnB w="6350" cap="flat" cmpd="sng" algn="ctr">
+                      <a:solidFill>
+                        <a:srgbClr val="000000"/>
+                      </a:solidFill>
+                      <a:prstDash val="solid"/>
+                      <a:round/>
+                      <a:headEnd type="none" w="med" len="med"/>
+                      <a:tailEnd type="none" w="med" len="med"/>
+                    </a:lnB>
                   </a:tcPr>
                 </a:tc>
                 <a:tc>
@@ -11114,6 +11257,231 @@
                     <a:p>
                       <a:pPr algn="l" fontAlgn="ctr"/>
                       <a:r>
+                        <a:rPr lang="ko-KR" altLang="en-US" sz="1100" b="0" i="0" u="none" strike="noStrike" dirty="0" smtClean="0">
+                          <a:solidFill>
+                            <a:srgbClr val="000000"/>
+                          </a:solidFill>
+                          <a:effectLst/>
+                          <a:latin typeface="맑은 고딕" panose="020B0503020000020004" pitchFamily="50" charset="-127"/>
+                          <a:ea typeface="맑은 고딕" panose="020B0503020000020004" pitchFamily="50" charset="-127"/>
+                        </a:rPr>
+                        <a:t>외주</a:t>
+                      </a:r>
+                      <a:r>
+                        <a:rPr lang="en-US" altLang="ko-KR" sz="1100" b="0" i="0" u="none" strike="noStrike" dirty="0" smtClean="0">
+                          <a:solidFill>
+                            <a:srgbClr val="000000"/>
+                          </a:solidFill>
+                          <a:effectLst/>
+                          <a:latin typeface="맑은 고딕" panose="020B0503020000020004" pitchFamily="50" charset="-127"/>
+                          <a:ea typeface="맑은 고딕" panose="020B0503020000020004" pitchFamily="50" charset="-127"/>
+                        </a:rPr>
+                        <a:t>, </a:t>
+                      </a:r>
+                      <a:r>
+                        <a:rPr lang="ko-KR" altLang="en-US" sz="1100" b="0" i="0" u="none" strike="noStrike" dirty="0" err="1" smtClean="0">
+                          <a:solidFill>
+                            <a:srgbClr val="000000"/>
+                          </a:solidFill>
+                          <a:effectLst/>
+                          <a:latin typeface="맑은 고딕" panose="020B0503020000020004" pitchFamily="50" charset="-127"/>
+                          <a:ea typeface="맑은 고딕" panose="020B0503020000020004" pitchFamily="50" charset="-127"/>
+                        </a:rPr>
+                        <a:t>프리</a:t>
+                      </a:r>
+                      <a:endParaRPr lang="ko-KR" altLang="en-US" sz="1100" b="0" i="0" u="none" strike="noStrike" dirty="0">
+                        <a:solidFill>
+                          <a:srgbClr val="000000"/>
+                        </a:solidFill>
+                        <a:effectLst/>
+                        <a:latin typeface="맑은 고딕" panose="020B0503020000020004" pitchFamily="50" charset="-127"/>
+                        <a:ea typeface="맑은 고딕" panose="020B0503020000020004" pitchFamily="50" charset="-127"/>
+                      </a:endParaRPr>
+                    </a:p>
+                  </a:txBody>
+                  <a:tcPr marL="9525" marR="9525" marT="9525" marB="0" anchor="ctr">
+                    <a:lnL w="6350" cap="flat" cmpd="sng" algn="ctr">
+                      <a:solidFill>
+                        <a:srgbClr val="000000"/>
+                      </a:solidFill>
+                      <a:prstDash val="solid"/>
+                      <a:round/>
+                      <a:headEnd type="none" w="med" len="med"/>
+                      <a:tailEnd type="none" w="med" len="med"/>
+                    </a:lnL>
+                    <a:lnR w="6350" cap="flat" cmpd="sng" algn="ctr">
+                      <a:solidFill>
+                        <a:srgbClr val="000000"/>
+                      </a:solidFill>
+                      <a:prstDash val="solid"/>
+                      <a:round/>
+                      <a:headEnd type="none" w="med" len="med"/>
+                      <a:tailEnd type="none" w="med" len="med"/>
+                    </a:lnR>
+                    <a:lnT w="6350" cap="flat" cmpd="sng" algn="ctr">
+                      <a:solidFill>
+                        <a:srgbClr val="000000"/>
+                      </a:solidFill>
+                      <a:prstDash val="solid"/>
+                      <a:round/>
+                      <a:headEnd type="none" w="med" len="med"/>
+                      <a:tailEnd type="none" w="med" len="med"/>
+                    </a:lnT>
+                    <a:lnB w="6350" cap="flat" cmpd="sng" algn="ctr">
+                      <a:solidFill>
+                        <a:srgbClr val="000000"/>
+                      </a:solidFill>
+                      <a:prstDash val="solid"/>
+                      <a:round/>
+                      <a:headEnd type="none" w="med" len="med"/>
+                      <a:tailEnd type="none" w="med" len="med"/>
+                    </a:lnB>
+                  </a:tcPr>
+                </a:tc>
+              </a:tr>
+              <a:tr h="252756">
+                <a:tc vMerge="1">
+                  <a:txBody>
+                    <a:bodyPr/>
+                    <a:lstStyle/>
+                    <a:p>
+                      <a:pPr algn="ctr" fontAlgn="ctr"/>
+                      <a:endParaRPr lang="ko-KR" altLang="en-US" sz="900" b="1" i="0" u="none" strike="noStrike" dirty="0">
+                        <a:solidFill>
+                          <a:srgbClr val="000000"/>
+                        </a:solidFill>
+                        <a:effectLst/>
+                        <a:latin typeface="맑은 고딕" panose="020B0503020000020004" pitchFamily="50" charset="-127"/>
+                        <a:ea typeface="맑은 고딕" panose="020B0503020000020004" pitchFamily="50" charset="-127"/>
+                      </a:endParaRPr>
+                    </a:p>
+                  </a:txBody>
+                  <a:tcPr marL="9525" marR="9525" marT="9525" marB="0" anchor="ctr">
+                    <a:lnL w="6350" cap="flat" cmpd="sng" algn="ctr">
+                      <a:solidFill>
+                        <a:srgbClr val="000000"/>
+                      </a:solidFill>
+                      <a:prstDash val="solid"/>
+                      <a:round/>
+                      <a:headEnd type="none" w="med" len="med"/>
+                      <a:tailEnd type="none" w="med" len="med"/>
+                    </a:lnL>
+                    <a:lnR w="6350" cap="flat" cmpd="sng" algn="ctr">
+                      <a:solidFill>
+                        <a:srgbClr val="000000"/>
+                      </a:solidFill>
+                      <a:prstDash val="solid"/>
+                      <a:round/>
+                      <a:headEnd type="none" w="med" len="med"/>
+                      <a:tailEnd type="none" w="med" len="med"/>
+                    </a:lnR>
+                    <a:lnT w="6350" cap="flat" cmpd="sng" algn="ctr">
+                      <a:solidFill>
+                        <a:srgbClr val="000000"/>
+                      </a:solidFill>
+                      <a:prstDash val="solid"/>
+                      <a:round/>
+                      <a:headEnd type="none" w="med" len="med"/>
+                      <a:tailEnd type="none" w="med" len="med"/>
+                    </a:lnT>
+                    <a:lnB w="6350" cap="flat" cmpd="sng" algn="ctr">
+                      <a:solidFill>
+                        <a:srgbClr val="000000"/>
+                      </a:solidFill>
+                      <a:prstDash val="solid"/>
+                      <a:round/>
+                      <a:headEnd type="none" w="med" len="med"/>
+                      <a:tailEnd type="none" w="med" len="med"/>
+                    </a:lnB>
+                    <a:solidFill>
+                      <a:srgbClr val="D0CECE"/>
+                    </a:solidFill>
+                  </a:tcPr>
+                </a:tc>
+                <a:tc>
+                  <a:txBody>
+                    <a:bodyPr/>
+                    <a:lstStyle/>
+                    <a:p>
+                      <a:pPr algn="l" fontAlgn="ctr"/>
+                      <a:r>
+                        <a:rPr lang="ko-KR" altLang="en-US" sz="1100" b="0" i="0" u="none" strike="noStrike" dirty="0">
+                          <a:solidFill>
+                            <a:srgbClr val="000000"/>
+                          </a:solidFill>
+                          <a:effectLst/>
+                          <a:latin typeface="맑은 고딕" panose="020B0503020000020004" pitchFamily="50" charset="-127"/>
+                          <a:ea typeface="맑은 고딕" panose="020B0503020000020004" pitchFamily="50" charset="-127"/>
+                        </a:rPr>
+                        <a:t>　</a:t>
+                      </a:r>
+                      <a:r>
+                        <a:rPr lang="ko-KR" altLang="en-US" sz="1100" b="0" i="0" u="none" strike="noStrike" dirty="0" err="1" smtClean="0">
+                          <a:solidFill>
+                            <a:srgbClr val="000000"/>
+                          </a:solidFill>
+                          <a:effectLst/>
+                          <a:latin typeface="맑은 고딕" panose="020B0503020000020004" pitchFamily="50" charset="-127"/>
+                          <a:ea typeface="맑은 고딕" panose="020B0503020000020004" pitchFamily="50" charset="-127"/>
+                        </a:rPr>
+                        <a:t>소속사</a:t>
+                      </a:r>
+                      <a:endParaRPr lang="ko-KR" altLang="en-US" sz="1100" b="0" i="0" u="none" strike="noStrike" dirty="0">
+                        <a:solidFill>
+                          <a:srgbClr val="000000"/>
+                        </a:solidFill>
+                        <a:effectLst/>
+                        <a:latin typeface="맑은 고딕" panose="020B0503020000020004" pitchFamily="50" charset="-127"/>
+                        <a:ea typeface="맑은 고딕" panose="020B0503020000020004" pitchFamily="50" charset="-127"/>
+                      </a:endParaRPr>
+                    </a:p>
+                  </a:txBody>
+                  <a:tcPr marL="9525" marR="9525" marT="9525" marB="0" anchor="ctr">
+                    <a:lnL w="6350" cap="flat" cmpd="sng" algn="ctr">
+                      <a:solidFill>
+                        <a:srgbClr val="000000"/>
+                      </a:solidFill>
+                      <a:prstDash val="solid"/>
+                      <a:round/>
+                      <a:headEnd type="none" w="med" len="med"/>
+                      <a:tailEnd type="none" w="med" len="med"/>
+                    </a:lnL>
+                    <a:lnR w="6350" cap="flat" cmpd="sng" algn="ctr">
+                      <a:solidFill>
+                        <a:srgbClr val="000000"/>
+                      </a:solidFill>
+                      <a:prstDash val="solid"/>
+                      <a:round/>
+                      <a:headEnd type="none" w="med" len="med"/>
+                      <a:tailEnd type="none" w="med" len="med"/>
+                    </a:lnR>
+                    <a:lnT w="6350" cap="flat" cmpd="sng" algn="ctr">
+                      <a:solidFill>
+                        <a:srgbClr val="000000"/>
+                      </a:solidFill>
+                      <a:prstDash val="solid"/>
+                      <a:round/>
+                      <a:headEnd type="none" w="med" len="med"/>
+                      <a:tailEnd type="none" w="med" len="med"/>
+                    </a:lnT>
+                    <a:lnB w="6350" cap="flat" cmpd="sng" algn="ctr">
+                      <a:solidFill>
+                        <a:srgbClr val="000000"/>
+                      </a:solidFill>
+                      <a:prstDash val="solid"/>
+                      <a:round/>
+                      <a:headEnd type="none" w="med" len="med"/>
+                      <a:tailEnd type="none" w="med" len="med"/>
+                    </a:lnB>
+                  </a:tcPr>
+                </a:tc>
+                <a:tc>
+                  <a:txBody>
+                    <a:bodyPr/>
+                    <a:lstStyle/>
+                    <a:p>
+                      <a:pPr algn="l" fontAlgn="ctr"/>
+                      <a:r>
                         <a:rPr lang="en-US" altLang="ko-KR" sz="1100" b="0" i="0" u="none" strike="noStrike" dirty="0" smtClean="0">
                           <a:solidFill>
                             <a:srgbClr val="000000"/>
@@ -11226,6 +11594,176 @@
                       <a:headEnd type="none" w="med" len="med"/>
                       <a:tailEnd type="none" w="med" len="med"/>
                     </a:lnB>
+                  </a:tcPr>
+                </a:tc>
+                <a:tc>
+                  <a:txBody>
+                    <a:bodyPr/>
+                    <a:lstStyle/>
+                    <a:p>
+                      <a:pPr algn="l" fontAlgn="ctr"/>
+                      <a:endParaRPr lang="ko-KR" altLang="en-US" sz="1100" b="0" i="0" u="none" strike="noStrike" dirty="0">
+                        <a:solidFill>
+                          <a:srgbClr val="000000"/>
+                        </a:solidFill>
+                        <a:effectLst/>
+                        <a:latin typeface="맑은 고딕" panose="020B0503020000020004" pitchFamily="50" charset="-127"/>
+                        <a:ea typeface="맑은 고딕" panose="020B0503020000020004" pitchFamily="50" charset="-127"/>
+                      </a:endParaRPr>
+                    </a:p>
+                  </a:txBody>
+                  <a:tcPr marL="9525" marR="9525" marT="9525" marB="0" anchor="ctr">
+                    <a:lnL w="6350" cap="flat" cmpd="sng" algn="ctr">
+                      <a:solidFill>
+                        <a:srgbClr val="000000"/>
+                      </a:solidFill>
+                      <a:prstDash val="solid"/>
+                      <a:round/>
+                      <a:headEnd type="none" w="med" len="med"/>
+                      <a:tailEnd type="none" w="med" len="med"/>
+                    </a:lnL>
+                    <a:lnR w="6350" cap="flat" cmpd="sng" algn="ctr">
+                      <a:solidFill>
+                        <a:srgbClr val="000000"/>
+                      </a:solidFill>
+                      <a:prstDash val="solid"/>
+                      <a:round/>
+                      <a:headEnd type="none" w="med" len="med"/>
+                      <a:tailEnd type="none" w="med" len="med"/>
+                    </a:lnR>
+                    <a:lnT w="6350" cap="flat" cmpd="sng" algn="ctr">
+                      <a:solidFill>
+                        <a:srgbClr val="000000"/>
+                      </a:solidFill>
+                      <a:prstDash val="solid"/>
+                      <a:round/>
+                      <a:headEnd type="none" w="med" len="med"/>
+                      <a:tailEnd type="none" w="med" len="med"/>
+                    </a:lnT>
+                    <a:lnB w="6350" cap="flat" cmpd="sng" algn="ctr">
+                      <a:solidFill>
+                        <a:srgbClr val="000000"/>
+                      </a:solidFill>
+                      <a:prstDash val="solid"/>
+                      <a:round/>
+                      <a:headEnd type="none" w="med" len="med"/>
+                      <a:tailEnd type="none" w="med" len="med"/>
+                    </a:lnB>
+                  </a:tcPr>
+                </a:tc>
+                <a:tc>
+                  <a:txBody>
+                    <a:bodyPr/>
+                    <a:lstStyle/>
+                    <a:p>
+                      <a:pPr algn="l" fontAlgn="ctr"/>
+                      <a:endParaRPr lang="ko-KR" altLang="en-US" sz="1100" b="0" i="0" u="none" strike="noStrike" dirty="0">
+                        <a:solidFill>
+                          <a:srgbClr val="000000"/>
+                        </a:solidFill>
+                        <a:effectLst/>
+                        <a:latin typeface="맑은 고딕" panose="020B0503020000020004" pitchFamily="50" charset="-127"/>
+                        <a:ea typeface="맑은 고딕" panose="020B0503020000020004" pitchFamily="50" charset="-127"/>
+                      </a:endParaRPr>
+                    </a:p>
+                  </a:txBody>
+                  <a:tcPr marL="9525" marR="9525" marT="9525" marB="0" anchor="ctr">
+                    <a:lnL w="6350" cap="flat" cmpd="sng" algn="ctr">
+                      <a:solidFill>
+                        <a:srgbClr val="000000"/>
+                      </a:solidFill>
+                      <a:prstDash val="solid"/>
+                      <a:round/>
+                      <a:headEnd type="none" w="med" len="med"/>
+                      <a:tailEnd type="none" w="med" len="med"/>
+                    </a:lnL>
+                    <a:lnR w="6350" cap="flat" cmpd="sng" algn="ctr">
+                      <a:solidFill>
+                        <a:srgbClr val="000000"/>
+                      </a:solidFill>
+                      <a:prstDash val="solid"/>
+                      <a:round/>
+                      <a:headEnd type="none" w="med" len="med"/>
+                      <a:tailEnd type="none" w="med" len="med"/>
+                    </a:lnR>
+                    <a:lnT w="6350" cap="flat" cmpd="sng" algn="ctr">
+                      <a:solidFill>
+                        <a:srgbClr val="000000"/>
+                      </a:solidFill>
+                      <a:prstDash val="solid"/>
+                      <a:round/>
+                      <a:headEnd type="none" w="med" len="med"/>
+                      <a:tailEnd type="none" w="med" len="med"/>
+                    </a:lnT>
+                    <a:lnB w="6350" cap="flat" cmpd="sng" algn="ctr">
+                      <a:solidFill>
+                        <a:srgbClr val="000000"/>
+                      </a:solidFill>
+                      <a:prstDash val="solid"/>
+                      <a:round/>
+                      <a:headEnd type="none" w="med" len="med"/>
+                      <a:tailEnd type="none" w="med" len="med"/>
+                    </a:lnB>
+                  </a:tcPr>
+                </a:tc>
+              </a:tr>
+              <a:tr h="252756">
+                <a:tc vMerge="1">
+                  <a:txBody>
+                    <a:bodyPr/>
+                    <a:lstStyle/>
+                    <a:p>
+                      <a:pPr algn="ctr" fontAlgn="ctr"/>
+                      <a:endParaRPr lang="ko-KR" altLang="en-US" sz="900" b="1" i="0" u="none" strike="noStrike" dirty="0">
+                        <a:solidFill>
+                          <a:srgbClr val="000000"/>
+                        </a:solidFill>
+                        <a:effectLst/>
+                        <a:latin typeface="맑은 고딕" panose="020B0503020000020004" pitchFamily="50" charset="-127"/>
+                        <a:ea typeface="맑은 고딕" panose="020B0503020000020004" pitchFamily="50" charset="-127"/>
+                      </a:endParaRPr>
+                    </a:p>
+                  </a:txBody>
+                  <a:tcPr marL="9525" marR="9525" marT="9525" marB="0" anchor="ctr">
+                    <a:lnL w="6350" cap="flat" cmpd="sng" algn="ctr">
+                      <a:solidFill>
+                        <a:srgbClr val="000000"/>
+                      </a:solidFill>
+                      <a:prstDash val="solid"/>
+                      <a:round/>
+                      <a:headEnd type="none" w="med" len="med"/>
+                      <a:tailEnd type="none" w="med" len="med"/>
+                    </a:lnL>
+                    <a:lnR w="6350" cap="flat" cmpd="sng" algn="ctr">
+                      <a:solidFill>
+                        <a:srgbClr val="000000"/>
+                      </a:solidFill>
+                      <a:prstDash val="solid"/>
+                      <a:round/>
+                      <a:headEnd type="none" w="med" len="med"/>
+                      <a:tailEnd type="none" w="med" len="med"/>
+                    </a:lnR>
+                    <a:lnT w="6350" cap="flat" cmpd="sng" algn="ctr">
+                      <a:solidFill>
+                        <a:srgbClr val="000000"/>
+                      </a:solidFill>
+                      <a:prstDash val="solid"/>
+                      <a:round/>
+                      <a:headEnd type="none" w="med" len="med"/>
+                      <a:tailEnd type="none" w="med" len="med"/>
+                    </a:lnT>
+                    <a:lnB w="6350" cap="flat" cmpd="sng" algn="ctr">
+                      <a:solidFill>
+                        <a:srgbClr val="000000"/>
+                      </a:solidFill>
+                      <a:prstDash val="solid"/>
+                      <a:round/>
+                      <a:headEnd type="none" w="med" len="med"/>
+                      <a:tailEnd type="none" w="med" len="med"/>
+                    </a:lnB>
+                    <a:solidFill>
+                      <a:srgbClr val="D0CECE"/>
+                    </a:solidFill>
                   </a:tcPr>
                 </a:tc>
                 <a:tc>
@@ -11254,7 +11792,7 @@
                           <a:latin typeface="맑은 고딕" panose="020B0503020000020004" pitchFamily="50" charset="-127"/>
                           <a:ea typeface="맑은 고딕" panose="020B0503020000020004" pitchFamily="50" charset="-127"/>
                         </a:rPr>
-                        <a:t>비고</a:t>
+                        <a:t>생년월일</a:t>
                       </a:r>
                       <a:endParaRPr lang="ko-KR" altLang="en-US" sz="1100" b="0" i="0" u="none" strike="noStrike" dirty="0">
                         <a:solidFill>
@@ -11311,6 +11849,193 @@
                     <a:lstStyle/>
                     <a:p>
                       <a:pPr algn="l" fontAlgn="ctr"/>
+                      <a:r>
+                        <a:rPr lang="en-US" altLang="ko-KR" sz="1100" b="0" i="0" u="none" strike="noStrike" dirty="0" smtClean="0">
+                          <a:solidFill>
+                            <a:srgbClr val="000000"/>
+                          </a:solidFill>
+                          <a:effectLst/>
+                          <a:latin typeface="맑은 고딕" panose="020B0503020000020004" pitchFamily="50" charset="-127"/>
+                          <a:ea typeface="맑은 고딕" panose="020B0503020000020004" pitchFamily="50" charset="-127"/>
+                        </a:rPr>
+                        <a:t> E</a:t>
+                      </a:r>
+                      <a:endParaRPr lang="ko-KR" altLang="en-US" sz="1100" b="0" i="0" u="none" strike="noStrike" dirty="0">
+                        <a:solidFill>
+                          <a:srgbClr val="000000"/>
+                        </a:solidFill>
+                        <a:effectLst/>
+                        <a:latin typeface="맑은 고딕" panose="020B0503020000020004" pitchFamily="50" charset="-127"/>
+                        <a:ea typeface="맑은 고딕" panose="020B0503020000020004" pitchFamily="50" charset="-127"/>
+                      </a:endParaRPr>
+                    </a:p>
+                  </a:txBody>
+                  <a:tcPr marL="9525" marR="9525" marT="9525" marB="0" anchor="ctr">
+                    <a:lnL w="6350" cap="flat" cmpd="sng" algn="ctr">
+                      <a:solidFill>
+                        <a:srgbClr val="000000"/>
+                      </a:solidFill>
+                      <a:prstDash val="solid"/>
+                      <a:round/>
+                      <a:headEnd type="none" w="med" len="med"/>
+                      <a:tailEnd type="none" w="med" len="med"/>
+                    </a:lnL>
+                    <a:lnR w="6350" cap="flat" cmpd="sng" algn="ctr">
+                      <a:solidFill>
+                        <a:srgbClr val="000000"/>
+                      </a:solidFill>
+                      <a:prstDash val="solid"/>
+                      <a:round/>
+                      <a:headEnd type="none" w="med" len="med"/>
+                      <a:tailEnd type="none" w="med" len="med"/>
+                    </a:lnR>
+                    <a:lnT w="6350" cap="flat" cmpd="sng" algn="ctr">
+                      <a:solidFill>
+                        <a:srgbClr val="000000"/>
+                      </a:solidFill>
+                      <a:prstDash val="solid"/>
+                      <a:round/>
+                      <a:headEnd type="none" w="med" len="med"/>
+                      <a:tailEnd type="none" w="med" len="med"/>
+                    </a:lnT>
+                    <a:lnB w="6350" cap="flat" cmpd="sng" algn="ctr">
+                      <a:solidFill>
+                        <a:srgbClr val="000000"/>
+                      </a:solidFill>
+                      <a:prstDash val="solid"/>
+                      <a:round/>
+                      <a:headEnd type="none" w="med" len="med"/>
+                      <a:tailEnd type="none" w="med" len="med"/>
+                    </a:lnB>
+                  </a:tcPr>
+                </a:tc>
+                <a:tc>
+                  <a:txBody>
+                    <a:bodyPr/>
+                    <a:lstStyle/>
+                    <a:p>
+                      <a:pPr algn="l" fontAlgn="ctr"/>
+                      <a:endParaRPr lang="ko-KR" altLang="en-US" sz="1100" b="0" i="0" u="none" strike="noStrike" dirty="0">
+                        <a:solidFill>
+                          <a:srgbClr val="000000"/>
+                        </a:solidFill>
+                        <a:effectLst/>
+                        <a:latin typeface="맑은 고딕" panose="020B0503020000020004" pitchFamily="50" charset="-127"/>
+                        <a:ea typeface="맑은 고딕" panose="020B0503020000020004" pitchFamily="50" charset="-127"/>
+                      </a:endParaRPr>
+                    </a:p>
+                  </a:txBody>
+                  <a:tcPr marL="9525" marR="9525" marT="9525" marB="0" anchor="ctr">
+                    <a:lnL w="6350" cap="flat" cmpd="sng" algn="ctr">
+                      <a:solidFill>
+                        <a:srgbClr val="000000"/>
+                      </a:solidFill>
+                      <a:prstDash val="solid"/>
+                      <a:round/>
+                      <a:headEnd type="none" w="med" len="med"/>
+                      <a:tailEnd type="none" w="med" len="med"/>
+                    </a:lnL>
+                    <a:lnR w="6350" cap="flat" cmpd="sng" algn="ctr">
+                      <a:solidFill>
+                        <a:srgbClr val="000000"/>
+                      </a:solidFill>
+                      <a:prstDash val="solid"/>
+                      <a:round/>
+                      <a:headEnd type="none" w="med" len="med"/>
+                      <a:tailEnd type="none" w="med" len="med"/>
+                    </a:lnR>
+                    <a:lnT w="6350" cap="flat" cmpd="sng" algn="ctr">
+                      <a:solidFill>
+                        <a:srgbClr val="000000"/>
+                      </a:solidFill>
+                      <a:prstDash val="solid"/>
+                      <a:round/>
+                      <a:headEnd type="none" w="med" len="med"/>
+                      <a:tailEnd type="none" w="med" len="med"/>
+                    </a:lnT>
+                    <a:lnB w="6350" cap="flat" cmpd="sng" algn="ctr">
+                      <a:solidFill>
+                        <a:srgbClr val="000000"/>
+                      </a:solidFill>
+                      <a:prstDash val="solid"/>
+                      <a:round/>
+                      <a:headEnd type="none" w="med" len="med"/>
+                      <a:tailEnd type="none" w="med" len="med"/>
+                    </a:lnB>
+                  </a:tcPr>
+                </a:tc>
+                <a:tc>
+                  <a:txBody>
+                    <a:bodyPr/>
+                    <a:lstStyle/>
+                    <a:p>
+                      <a:pPr algn="l" fontAlgn="ctr"/>
+                      <a:endParaRPr lang="ko-KR" altLang="en-US" sz="1100" b="0" i="0" u="none" strike="noStrike" dirty="0">
+                        <a:solidFill>
+                          <a:srgbClr val="000000"/>
+                        </a:solidFill>
+                        <a:effectLst/>
+                        <a:latin typeface="맑은 고딕" panose="020B0503020000020004" pitchFamily="50" charset="-127"/>
+                        <a:ea typeface="맑은 고딕" panose="020B0503020000020004" pitchFamily="50" charset="-127"/>
+                      </a:endParaRPr>
+                    </a:p>
+                  </a:txBody>
+                  <a:tcPr marL="9525" marR="9525" marT="9525" marB="0" anchor="ctr">
+                    <a:lnL w="6350" cap="flat" cmpd="sng" algn="ctr">
+                      <a:solidFill>
+                        <a:srgbClr val="000000"/>
+                      </a:solidFill>
+                      <a:prstDash val="solid"/>
+                      <a:round/>
+                      <a:headEnd type="none" w="med" len="med"/>
+                      <a:tailEnd type="none" w="med" len="med"/>
+                    </a:lnL>
+                    <a:lnR w="6350" cap="flat" cmpd="sng" algn="ctr">
+                      <a:solidFill>
+                        <a:srgbClr val="000000"/>
+                      </a:solidFill>
+                      <a:prstDash val="solid"/>
+                      <a:round/>
+                      <a:headEnd type="none" w="med" len="med"/>
+                      <a:tailEnd type="none" w="med" len="med"/>
+                    </a:lnR>
+                    <a:lnT w="6350" cap="flat" cmpd="sng" algn="ctr">
+                      <a:solidFill>
+                        <a:srgbClr val="000000"/>
+                      </a:solidFill>
+                      <a:prstDash val="solid"/>
+                      <a:round/>
+                      <a:headEnd type="none" w="med" len="med"/>
+                      <a:tailEnd type="none" w="med" len="med"/>
+                    </a:lnT>
+                    <a:lnB w="6350" cap="flat" cmpd="sng" algn="ctr">
+                      <a:solidFill>
+                        <a:srgbClr val="000000"/>
+                      </a:solidFill>
+                      <a:prstDash val="solid"/>
+                      <a:round/>
+                      <a:headEnd type="none" w="med" len="med"/>
+                      <a:tailEnd type="none" w="med" len="med"/>
+                    </a:lnB>
+                  </a:tcPr>
+                </a:tc>
+                <a:tc>
+                  <a:txBody>
+                    <a:bodyPr/>
+                    <a:lstStyle/>
+                    <a:p>
+                      <a:pPr algn="l" fontAlgn="ctr"/>
+                      <a:r>
+                        <a:rPr lang="en-US" altLang="ko-KR" sz="1100" b="0" i="0" u="none" strike="noStrike" dirty="0" smtClean="0">
+                          <a:solidFill>
+                            <a:srgbClr val="000000"/>
+                          </a:solidFill>
+                          <a:effectLst/>
+                          <a:latin typeface="맑은 고딕" panose="020B0503020000020004" pitchFamily="50" charset="-127"/>
+                          <a:ea typeface="맑은 고딕" panose="020B0503020000020004" pitchFamily="50" charset="-127"/>
+                        </a:rPr>
+                        <a:t>0000-00-00</a:t>
+                      </a:r>
                       <a:endParaRPr lang="ko-KR" altLang="en-US" sz="1100" b="0" i="0" u="none" strike="noStrike" dirty="0">
                         <a:solidFill>
                           <a:srgbClr val="000000"/>
@@ -11427,7 +12152,7 @@
                     <a:p>
                       <a:pPr algn="l" fontAlgn="ctr"/>
                       <a:r>
-                        <a:rPr lang="ko-KR" altLang="en-US" sz="1100" b="0" i="0" u="none" strike="noStrike" dirty="0">
+                        <a:rPr lang="ko-KR" altLang="en-US" sz="1100" b="0" i="0" u="none" strike="noStrike" dirty="0" smtClean="0">
                           <a:solidFill>
                             <a:srgbClr val="000000"/>
                           </a:solidFill>
@@ -11435,55 +12160,8 @@
                           <a:latin typeface="맑은 고딕" panose="020B0503020000020004" pitchFamily="50" charset="-127"/>
                           <a:ea typeface="맑은 고딕" panose="020B0503020000020004" pitchFamily="50" charset="-127"/>
                         </a:rPr>
-                        <a:t>　</a:t>
+                        <a:t>   비고</a:t>
                       </a:r>
-                    </a:p>
-                  </a:txBody>
-                  <a:tcPr marL="9525" marR="9525" marT="9525" marB="0" anchor="ctr">
-                    <a:lnL w="6350" cap="flat" cmpd="sng" algn="ctr">
-                      <a:solidFill>
-                        <a:srgbClr val="000000"/>
-                      </a:solidFill>
-                      <a:prstDash val="solid"/>
-                      <a:round/>
-                      <a:headEnd type="none" w="med" len="med"/>
-                      <a:tailEnd type="none" w="med" len="med"/>
-                    </a:lnL>
-                    <a:lnR w="6350" cap="flat" cmpd="sng" algn="ctr">
-                      <a:solidFill>
-                        <a:srgbClr val="000000"/>
-                      </a:solidFill>
-                      <a:prstDash val="solid"/>
-                      <a:round/>
-                      <a:headEnd type="none" w="med" len="med"/>
-                      <a:tailEnd type="none" w="med" len="med"/>
-                    </a:lnR>
-                    <a:lnT w="6350" cap="flat" cmpd="sng" algn="ctr">
-                      <a:solidFill>
-                        <a:srgbClr val="000000"/>
-                      </a:solidFill>
-                      <a:prstDash val="solid"/>
-                      <a:round/>
-                      <a:headEnd type="none" w="med" len="med"/>
-                      <a:tailEnd type="none" w="med" len="med"/>
-                    </a:lnT>
-                    <a:lnB w="6350" cap="flat" cmpd="sng" algn="ctr">
-                      <a:solidFill>
-                        <a:srgbClr val="000000"/>
-                      </a:solidFill>
-                      <a:prstDash val="solid"/>
-                      <a:round/>
-                      <a:headEnd type="none" w="med" len="med"/>
-                      <a:tailEnd type="none" w="med" len="med"/>
-                    </a:lnB>
-                  </a:tcPr>
-                </a:tc>
-                <a:tc>
-                  <a:txBody>
-                    <a:bodyPr/>
-                    <a:lstStyle/>
-                    <a:p>
-                      <a:pPr algn="l" fontAlgn="ctr"/>
                       <a:endParaRPr lang="ko-KR" altLang="en-US" sz="1100" b="0" i="0" u="none" strike="noStrike" dirty="0">
                         <a:solidFill>
                           <a:srgbClr val="000000"/>
@@ -11539,233 +12217,8 @@
                     <a:lstStyle/>
                     <a:p>
                       <a:pPr algn="l" fontAlgn="ctr"/>
-                      <a:endParaRPr lang="ko-KR" altLang="en-US" sz="1100" b="0" i="0" u="none" strike="noStrike" dirty="0">
-                        <a:solidFill>
-                          <a:srgbClr val="000000"/>
-                        </a:solidFill>
-                        <a:effectLst/>
-                        <a:latin typeface="맑은 고딕" panose="020B0503020000020004" pitchFamily="50" charset="-127"/>
-                        <a:ea typeface="맑은 고딕" panose="020B0503020000020004" pitchFamily="50" charset="-127"/>
-                      </a:endParaRPr>
-                    </a:p>
-                  </a:txBody>
-                  <a:tcPr marL="9525" marR="9525" marT="9525" marB="0" anchor="ctr">
-                    <a:lnL w="6350" cap="flat" cmpd="sng" algn="ctr">
-                      <a:solidFill>
-                        <a:srgbClr val="000000"/>
-                      </a:solidFill>
-                      <a:prstDash val="solid"/>
-                      <a:round/>
-                      <a:headEnd type="none" w="med" len="med"/>
-                      <a:tailEnd type="none" w="med" len="med"/>
-                    </a:lnL>
-                    <a:lnR w="6350" cap="flat" cmpd="sng" algn="ctr">
-                      <a:solidFill>
-                        <a:srgbClr val="000000"/>
-                      </a:solidFill>
-                      <a:prstDash val="solid"/>
-                      <a:round/>
-                      <a:headEnd type="none" w="med" len="med"/>
-                      <a:tailEnd type="none" w="med" len="med"/>
-                    </a:lnR>
-                    <a:lnT w="6350" cap="flat" cmpd="sng" algn="ctr">
-                      <a:solidFill>
-                        <a:srgbClr val="000000"/>
-                      </a:solidFill>
-                      <a:prstDash val="solid"/>
-                      <a:round/>
-                      <a:headEnd type="none" w="med" len="med"/>
-                      <a:tailEnd type="none" w="med" len="med"/>
-                    </a:lnT>
-                    <a:lnB w="6350" cap="flat" cmpd="sng" algn="ctr">
-                      <a:solidFill>
-                        <a:srgbClr val="000000"/>
-                      </a:solidFill>
-                      <a:prstDash val="solid"/>
-                      <a:round/>
-                      <a:headEnd type="none" w="med" len="med"/>
-                      <a:tailEnd type="none" w="med" len="med"/>
-                    </a:lnB>
-                  </a:tcPr>
-                </a:tc>
-                <a:tc>
-                  <a:txBody>
-                    <a:bodyPr/>
-                    <a:lstStyle/>
-                    <a:p>
-                      <a:pPr algn="l" fontAlgn="ctr"/>
-                      <a:endParaRPr lang="ko-KR" altLang="en-US" sz="1100" b="0" i="0" u="none" strike="noStrike" dirty="0">
-                        <a:solidFill>
-                          <a:srgbClr val="000000"/>
-                        </a:solidFill>
-                        <a:effectLst/>
-                        <a:latin typeface="맑은 고딕" panose="020B0503020000020004" pitchFamily="50" charset="-127"/>
-                        <a:ea typeface="맑은 고딕" panose="020B0503020000020004" pitchFamily="50" charset="-127"/>
-                      </a:endParaRPr>
-                    </a:p>
-                  </a:txBody>
-                  <a:tcPr marL="9525" marR="9525" marT="9525" marB="0" anchor="ctr">
-                    <a:lnL w="6350" cap="flat" cmpd="sng" algn="ctr">
-                      <a:solidFill>
-                        <a:srgbClr val="000000"/>
-                      </a:solidFill>
-                      <a:prstDash val="solid"/>
-                      <a:round/>
-                      <a:headEnd type="none" w="med" len="med"/>
-                      <a:tailEnd type="none" w="med" len="med"/>
-                    </a:lnL>
-                    <a:lnR w="6350" cap="flat" cmpd="sng" algn="ctr">
-                      <a:solidFill>
-                        <a:srgbClr val="000000"/>
-                      </a:solidFill>
-                      <a:prstDash val="solid"/>
-                      <a:round/>
-                      <a:headEnd type="none" w="med" len="med"/>
-                      <a:tailEnd type="none" w="med" len="med"/>
-                    </a:lnR>
-                    <a:lnT w="6350" cap="flat" cmpd="sng" algn="ctr">
-                      <a:solidFill>
-                        <a:srgbClr val="000000"/>
-                      </a:solidFill>
-                      <a:prstDash val="solid"/>
-                      <a:round/>
-                      <a:headEnd type="none" w="med" len="med"/>
-                      <a:tailEnd type="none" w="med" len="med"/>
-                    </a:lnT>
-                    <a:lnB w="6350" cap="flat" cmpd="sng" algn="ctr">
-                      <a:solidFill>
-                        <a:srgbClr val="000000"/>
-                      </a:solidFill>
-                      <a:prstDash val="solid"/>
-                      <a:round/>
-                      <a:headEnd type="none" w="med" len="med"/>
-                      <a:tailEnd type="none" w="med" len="med"/>
-                    </a:lnB>
-                  </a:tcPr>
-                </a:tc>
-                <a:tc>
-                  <a:txBody>
-                    <a:bodyPr/>
-                    <a:lstStyle/>
-                    <a:p>
-                      <a:pPr algn="l" fontAlgn="ctr"/>
-                      <a:endParaRPr lang="ko-KR" altLang="en-US" sz="1100" b="0" i="0" u="none" strike="noStrike" dirty="0">
-                        <a:solidFill>
-                          <a:srgbClr val="000000"/>
-                        </a:solidFill>
-                        <a:effectLst/>
-                        <a:latin typeface="맑은 고딕" panose="020B0503020000020004" pitchFamily="50" charset="-127"/>
-                        <a:ea typeface="맑은 고딕" panose="020B0503020000020004" pitchFamily="50" charset="-127"/>
-                      </a:endParaRPr>
-                    </a:p>
-                  </a:txBody>
-                  <a:tcPr marL="9525" marR="9525" marT="9525" marB="0" anchor="ctr">
-                    <a:lnL w="6350" cap="flat" cmpd="sng" algn="ctr">
-                      <a:solidFill>
-                        <a:srgbClr val="000000"/>
-                      </a:solidFill>
-                      <a:prstDash val="solid"/>
-                      <a:round/>
-                      <a:headEnd type="none" w="med" len="med"/>
-                      <a:tailEnd type="none" w="med" len="med"/>
-                    </a:lnL>
-                    <a:lnR w="6350" cap="flat" cmpd="sng" algn="ctr">
-                      <a:solidFill>
-                        <a:srgbClr val="000000"/>
-                      </a:solidFill>
-                      <a:prstDash val="solid"/>
-                      <a:round/>
-                      <a:headEnd type="none" w="med" len="med"/>
-                      <a:tailEnd type="none" w="med" len="med"/>
-                    </a:lnR>
-                    <a:lnT w="6350" cap="flat" cmpd="sng" algn="ctr">
-                      <a:solidFill>
-                        <a:srgbClr val="000000"/>
-                      </a:solidFill>
-                      <a:prstDash val="solid"/>
-                      <a:round/>
-                      <a:headEnd type="none" w="med" len="med"/>
-                      <a:tailEnd type="none" w="med" len="med"/>
-                    </a:lnT>
-                    <a:lnB w="6350" cap="flat" cmpd="sng" algn="ctr">
-                      <a:solidFill>
-                        <a:srgbClr val="000000"/>
-                      </a:solidFill>
-                      <a:prstDash val="solid"/>
-                      <a:round/>
-                      <a:headEnd type="none" w="med" len="med"/>
-                      <a:tailEnd type="none" w="med" len="med"/>
-                    </a:lnB>
-                  </a:tcPr>
-                </a:tc>
-              </a:tr>
-              <a:tr h="252756">
-                <a:tc vMerge="1">
-                  <a:txBody>
-                    <a:bodyPr/>
-                    <a:lstStyle/>
-                    <a:p>
-                      <a:pPr algn="ctr" fontAlgn="ctr"/>
-                      <a:endParaRPr lang="ko-KR" altLang="en-US" sz="900" b="1" i="0" u="none" strike="noStrike" dirty="0">
-                        <a:solidFill>
-                          <a:srgbClr val="000000"/>
-                        </a:solidFill>
-                        <a:effectLst/>
-                        <a:latin typeface="맑은 고딕" panose="020B0503020000020004" pitchFamily="50" charset="-127"/>
-                        <a:ea typeface="맑은 고딕" panose="020B0503020000020004" pitchFamily="50" charset="-127"/>
-                      </a:endParaRPr>
-                    </a:p>
-                  </a:txBody>
-                  <a:tcPr marL="9525" marR="9525" marT="9525" marB="0" anchor="ctr">
-                    <a:lnL w="6350" cap="flat" cmpd="sng" algn="ctr">
-                      <a:solidFill>
-                        <a:srgbClr val="000000"/>
-                      </a:solidFill>
-                      <a:prstDash val="solid"/>
-                      <a:round/>
-                      <a:headEnd type="none" w="med" len="med"/>
-                      <a:tailEnd type="none" w="med" len="med"/>
-                    </a:lnL>
-                    <a:lnR w="6350" cap="flat" cmpd="sng" algn="ctr">
-                      <a:solidFill>
-                        <a:srgbClr val="000000"/>
-                      </a:solidFill>
-                      <a:prstDash val="solid"/>
-                      <a:round/>
-                      <a:headEnd type="none" w="med" len="med"/>
-                      <a:tailEnd type="none" w="med" len="med"/>
-                    </a:lnR>
-                    <a:lnT w="6350" cap="flat" cmpd="sng" algn="ctr">
-                      <a:solidFill>
-                        <a:srgbClr val="000000"/>
-                      </a:solidFill>
-                      <a:prstDash val="solid"/>
-                      <a:round/>
-                      <a:headEnd type="none" w="med" len="med"/>
-                      <a:tailEnd type="none" w="med" len="med"/>
-                    </a:lnT>
-                    <a:lnB w="6350" cap="flat" cmpd="sng" algn="ctr">
-                      <a:solidFill>
-                        <a:srgbClr val="000000"/>
-                      </a:solidFill>
-                      <a:prstDash val="solid"/>
-                      <a:round/>
-                      <a:headEnd type="none" w="med" len="med"/>
-                      <a:tailEnd type="none" w="med" len="med"/>
-                    </a:lnB>
-                    <a:solidFill>
-                      <a:srgbClr val="D0CECE"/>
-                    </a:solidFill>
-                  </a:tcPr>
-                </a:tc>
-                <a:tc>
-                  <a:txBody>
-                    <a:bodyPr/>
-                    <a:lstStyle/>
-                    <a:p>
-                      <a:pPr algn="l" fontAlgn="ctr"/>
                       <a:r>
-                        <a:rPr lang="ko-KR" altLang="en-US" sz="1100" b="0" i="0" u="none" strike="noStrike" dirty="0">
+                        <a:rPr lang="en-US" altLang="ko-KR" sz="1100" b="0" i="0" u="none" strike="noStrike" dirty="0" smtClean="0">
                           <a:solidFill>
                             <a:srgbClr val="000000"/>
                           </a:solidFill>
@@ -11773,55 +12226,8 @@
                           <a:latin typeface="맑은 고딕" panose="020B0503020000020004" pitchFamily="50" charset="-127"/>
                           <a:ea typeface="맑은 고딕" panose="020B0503020000020004" pitchFamily="50" charset="-127"/>
                         </a:rPr>
-                        <a:t>　</a:t>
+                        <a:t> E</a:t>
                       </a:r>
-                    </a:p>
-                  </a:txBody>
-                  <a:tcPr marL="9525" marR="9525" marT="9525" marB="0" anchor="ctr">
-                    <a:lnL w="6350" cap="flat" cmpd="sng" algn="ctr">
-                      <a:solidFill>
-                        <a:srgbClr val="000000"/>
-                      </a:solidFill>
-                      <a:prstDash val="solid"/>
-                      <a:round/>
-                      <a:headEnd type="none" w="med" len="med"/>
-                      <a:tailEnd type="none" w="med" len="med"/>
-                    </a:lnL>
-                    <a:lnR w="6350" cap="flat" cmpd="sng" algn="ctr">
-                      <a:solidFill>
-                        <a:srgbClr val="000000"/>
-                      </a:solidFill>
-                      <a:prstDash val="solid"/>
-                      <a:round/>
-                      <a:headEnd type="none" w="med" len="med"/>
-                      <a:tailEnd type="none" w="med" len="med"/>
-                    </a:lnR>
-                    <a:lnT w="6350" cap="flat" cmpd="sng" algn="ctr">
-                      <a:solidFill>
-                        <a:srgbClr val="000000"/>
-                      </a:solidFill>
-                      <a:prstDash val="solid"/>
-                      <a:round/>
-                      <a:headEnd type="none" w="med" len="med"/>
-                      <a:tailEnd type="none" w="med" len="med"/>
-                    </a:lnT>
-                    <a:lnB w="6350" cap="flat" cmpd="sng" algn="ctr">
-                      <a:solidFill>
-                        <a:srgbClr val="000000"/>
-                      </a:solidFill>
-                      <a:prstDash val="solid"/>
-                      <a:round/>
-                      <a:headEnd type="none" w="med" len="med"/>
-                      <a:tailEnd type="none" w="med" len="med"/>
-                    </a:lnB>
-                  </a:tcPr>
-                </a:tc>
-                <a:tc>
-                  <a:txBody>
-                    <a:bodyPr/>
-                    <a:lstStyle/>
-                    <a:p>
-                      <a:pPr algn="l" fontAlgn="ctr"/>
                       <a:endParaRPr lang="ko-KR" altLang="en-US" sz="1100" b="0" i="0" u="none" strike="noStrike" dirty="0">
                         <a:solidFill>
                           <a:srgbClr val="000000"/>

--- a/산출물/설계/AND-001.화면설계서/20200806_IMS_AND-07_화면설계서_개발자 등록_v0.1.pptx
+++ b/산출물/설계/AND-001.화면설계서/20200806_IMS_AND-07_화면설계서_개발자 등록_v0.1.pptx
@@ -247,7 +247,7 @@
           <a:p>
             <a:fld id="{E9CEF2E8-F87B-4C3F-AA45-AC034F7E5140}" type="datetimeFigureOut">
               <a:rPr lang="ko-KR" altLang="en-US" smtClean="0"/>
-              <a:t>2020-08-11</a:t>
+              <a:t>2020-09-05</a:t>
             </a:fld>
             <a:endParaRPr lang="ko-KR" altLang="en-US"/>
           </a:p>
@@ -417,7 +417,7 @@
           <a:p>
             <a:fld id="{E9CEF2E8-F87B-4C3F-AA45-AC034F7E5140}" type="datetimeFigureOut">
               <a:rPr lang="ko-KR" altLang="en-US" smtClean="0"/>
-              <a:t>2020-08-11</a:t>
+              <a:t>2020-09-05</a:t>
             </a:fld>
             <a:endParaRPr lang="ko-KR" altLang="en-US"/>
           </a:p>
@@ -597,7 +597,7 @@
           <a:p>
             <a:fld id="{E9CEF2E8-F87B-4C3F-AA45-AC034F7E5140}" type="datetimeFigureOut">
               <a:rPr lang="ko-KR" altLang="en-US" smtClean="0"/>
-              <a:t>2020-08-11</a:t>
+              <a:t>2020-09-05</a:t>
             </a:fld>
             <a:endParaRPr lang="ko-KR" altLang="en-US"/>
           </a:p>
@@ -767,7 +767,7 @@
           <a:p>
             <a:fld id="{E9CEF2E8-F87B-4C3F-AA45-AC034F7E5140}" type="datetimeFigureOut">
               <a:rPr lang="ko-KR" altLang="en-US" smtClean="0"/>
-              <a:t>2020-08-11</a:t>
+              <a:t>2020-09-05</a:t>
             </a:fld>
             <a:endParaRPr lang="ko-KR" altLang="en-US"/>
           </a:p>
@@ -1013,7 +1013,7 @@
           <a:p>
             <a:fld id="{E9CEF2E8-F87B-4C3F-AA45-AC034F7E5140}" type="datetimeFigureOut">
               <a:rPr lang="ko-KR" altLang="en-US" smtClean="0"/>
-              <a:t>2020-08-11</a:t>
+              <a:t>2020-09-05</a:t>
             </a:fld>
             <a:endParaRPr lang="ko-KR" altLang="en-US"/>
           </a:p>
@@ -1245,7 +1245,7 @@
           <a:p>
             <a:fld id="{E9CEF2E8-F87B-4C3F-AA45-AC034F7E5140}" type="datetimeFigureOut">
               <a:rPr lang="ko-KR" altLang="en-US" smtClean="0"/>
-              <a:t>2020-08-11</a:t>
+              <a:t>2020-09-05</a:t>
             </a:fld>
             <a:endParaRPr lang="ko-KR" altLang="en-US"/>
           </a:p>
@@ -1612,7 +1612,7 @@
           <a:p>
             <a:fld id="{E9CEF2E8-F87B-4C3F-AA45-AC034F7E5140}" type="datetimeFigureOut">
               <a:rPr lang="ko-KR" altLang="en-US" smtClean="0"/>
-              <a:t>2020-08-11</a:t>
+              <a:t>2020-09-05</a:t>
             </a:fld>
             <a:endParaRPr lang="ko-KR" altLang="en-US"/>
           </a:p>
@@ -1730,7 +1730,7 @@
           <a:p>
             <a:fld id="{E9CEF2E8-F87B-4C3F-AA45-AC034F7E5140}" type="datetimeFigureOut">
               <a:rPr lang="ko-KR" altLang="en-US" smtClean="0"/>
-              <a:t>2020-08-11</a:t>
+              <a:t>2020-09-05</a:t>
             </a:fld>
             <a:endParaRPr lang="ko-KR" altLang="en-US"/>
           </a:p>
@@ -1825,7 +1825,7 @@
           <a:p>
             <a:fld id="{E9CEF2E8-F87B-4C3F-AA45-AC034F7E5140}" type="datetimeFigureOut">
               <a:rPr lang="ko-KR" altLang="en-US" smtClean="0"/>
-              <a:t>2020-08-11</a:t>
+              <a:t>2020-09-05</a:t>
             </a:fld>
             <a:endParaRPr lang="ko-KR" altLang="en-US"/>
           </a:p>
@@ -2102,7 +2102,7 @@
           <a:p>
             <a:fld id="{E9CEF2E8-F87B-4C3F-AA45-AC034F7E5140}" type="datetimeFigureOut">
               <a:rPr lang="ko-KR" altLang="en-US" smtClean="0"/>
-              <a:t>2020-08-11</a:t>
+              <a:t>2020-09-05</a:t>
             </a:fld>
             <a:endParaRPr lang="ko-KR" altLang="en-US"/>
           </a:p>
@@ -2355,7 +2355,7 @@
           <a:p>
             <a:fld id="{E9CEF2E8-F87B-4C3F-AA45-AC034F7E5140}" type="datetimeFigureOut">
               <a:rPr lang="ko-KR" altLang="en-US" smtClean="0"/>
-              <a:t>2020-08-11</a:t>
+              <a:t>2020-09-05</a:t>
             </a:fld>
             <a:endParaRPr lang="ko-KR" altLang="en-US"/>
           </a:p>
@@ -2568,7 +2568,7 @@
           <a:p>
             <a:fld id="{E9CEF2E8-F87B-4C3F-AA45-AC034F7E5140}" type="datetimeFigureOut">
               <a:rPr lang="ko-KR" altLang="en-US" smtClean="0"/>
-              <a:t>2020-08-11</a:t>
+              <a:t>2020-09-05</a:t>
             </a:fld>
             <a:endParaRPr lang="ko-KR" altLang="en-US"/>
           </a:p>
@@ -6665,22 +6665,28 @@
       </p:grpSpPr>
       <p:pic>
         <p:nvPicPr>
-          <p:cNvPr id="3" name="그림 2"/>
+          <p:cNvPr id="2" name="그림 1"/>
           <p:cNvPicPr>
             <a:picLocks noChangeAspect="1"/>
           </p:cNvPicPr>
           <p:nvPr/>
         </p:nvPicPr>
         <p:blipFill>
-          <a:blip r:embed="rId2"/>
+          <a:blip r:embed="rId2">
+            <a:extLst>
+              <a:ext uri="{28A0092B-C50C-407E-A947-70E740481C1C}">
+                <a14:useLocalDpi xmlns:a14="http://schemas.microsoft.com/office/drawing/2010/main" val="0"/>
+              </a:ext>
+            </a:extLst>
+          </a:blip>
           <a:stretch>
             <a:fillRect/>
           </a:stretch>
         </p:blipFill>
         <p:spPr>
           <a:xfrm>
-            <a:off x="3627498" y="1101725"/>
-            <a:ext cx="5029200" cy="4981575"/>
+            <a:off x="3643830" y="1040550"/>
+            <a:ext cx="4988154" cy="5360250"/>
           </a:xfrm>
           <a:prstGeom prst="rect">
             <a:avLst/>
@@ -6850,7 +6856,7 @@
         </p:nvSpPr>
         <p:spPr>
           <a:xfrm>
-            <a:off x="6849894" y="5501320"/>
+            <a:off x="6858132" y="5882501"/>
             <a:ext cx="282804" cy="282805"/>
           </a:xfrm>
           <a:prstGeom prst="ellipse">
@@ -6894,7 +6900,7 @@
         </p:nvSpPr>
         <p:spPr>
           <a:xfrm>
-            <a:off x="5259219" y="5511800"/>
+            <a:off x="5382787" y="5882502"/>
             <a:ext cx="282804" cy="282805"/>
           </a:xfrm>
           <a:prstGeom prst="ellipse">
@@ -6938,7 +6944,7 @@
         </p:nvSpPr>
         <p:spPr>
           <a:xfrm>
-            <a:off x="3668544" y="5511800"/>
+            <a:off x="3907442" y="5882503"/>
             <a:ext cx="282804" cy="282805"/>
           </a:xfrm>
           <a:prstGeom prst="ellipse">
@@ -11056,18 +11062,7 @@
                           <a:latin typeface="맑은 고딕" panose="020B0503020000020004" pitchFamily="50" charset="-127"/>
                           <a:ea typeface="맑은 고딕" panose="020B0503020000020004" pitchFamily="50" charset="-127"/>
                         </a:rPr>
-                        <a:t> </a:t>
-                      </a:r>
-                      <a:r>
-                        <a:rPr lang="en-US" altLang="ko-KR" sz="1100" b="0" i="0" u="none" strike="noStrike" dirty="0" smtClean="0">
-                          <a:solidFill>
-                            <a:srgbClr val="000000"/>
-                          </a:solidFill>
-                          <a:effectLst/>
-                          <a:latin typeface="맑은 고딕" panose="020B0503020000020004" pitchFamily="50" charset="-127"/>
-                          <a:ea typeface="맑은 고딕" panose="020B0503020000020004" pitchFamily="50" charset="-127"/>
-                        </a:rPr>
-                        <a:t>S</a:t>
+                        <a:t> S</a:t>
                       </a:r>
                       <a:endParaRPr lang="ko-KR" altLang="en-US" sz="1100" b="0" i="0" u="none" strike="noStrike" dirty="0">
                         <a:solidFill>
